--- a/资料/课件/OC/OC语言-1.7-类的继承与多态.pptx
+++ b/资料/课件/OC/OC语言-1.7-类的继承与多态.pptx
@@ -5,18 +5,20 @@
     <p:sldMasterId id="2147488748" r:id="rId1"/>
   </p:sldMasterIdLst>
   <p:notesMasterIdLst>
-    <p:notesMasterId r:id="rId3"/>
+    <p:notesMasterId r:id="rId5"/>
   </p:notesMasterIdLst>
   <p:handoutMasterIdLst>
-    <p:handoutMasterId r:id="rId4"/>
+    <p:handoutMasterId r:id="rId6"/>
   </p:handoutMasterIdLst>
   <p:sldIdLst>
     <p:sldId id="1551" r:id="rId2"/>
+    <p:sldId id="1552" r:id="rId3"/>
+    <p:sldId id="1553" r:id="rId4"/>
   </p:sldIdLst>
   <p:sldSz cx="9144000" cy="6858000" type="screen4x3"/>
   <p:notesSz cx="6797675" cy="9874250"/>
   <p:custDataLst>
-    <p:tags r:id="rId6"/>
+    <p:tags r:id="rId8"/>
   </p:custDataLst>
   <p:defaultTextStyle>
     <a:defPPr>
@@ -149,12 +151,14 @@
         <p14:section name="Default Section" id="{5009879F-230C-4AAA-9B60-41FFDFBA99F4}">
           <p14:sldIdLst>
             <p14:sldId id="1551"/>
+            <p14:sldId id="1552"/>
+            <p14:sldId id="1553"/>
           </p14:sldIdLst>
         </p14:section>
       </p14:sectionLst>
     </p:ext>
     <p:ext uri="{EFAFB233-063F-42B5-8137-9DF3F51BA10A}">
-      <p15:sldGuideLst xmlns="" xmlns:p15="http://schemas.microsoft.com/office/powerpoint/2012/main">
+      <p15:sldGuideLst xmlns:p15="http://schemas.microsoft.com/office/powerpoint/2012/main" xmlns="">
         <p15:guide id="1" orient="horz">
           <p15:clr>
             <a:srgbClr val="A4A3A4"/>
@@ -168,7 +172,7 @@
       </p15:sldGuideLst>
     </p:ext>
     <p:ext uri="{2D200454-40CA-4A62-9FC3-DE9A4176ACB9}">
-      <p15:notesGuideLst xmlns="" xmlns:p15="http://schemas.microsoft.com/office/powerpoint/2012/main">
+      <p15:notesGuideLst xmlns:p15="http://schemas.microsoft.com/office/powerpoint/2012/main" xmlns="">
         <p15:guide id="1" orient="horz" pos="3109">
           <p15:clr>
             <a:srgbClr val="A4A3A4"/>
@@ -272,7 +276,7 @@
                 <a:ea typeface="微软雅黑" pitchFamily="34" charset="-122"/>
               </a:rPr>
               <a:pPr/>
-              <a:t>15/3/18</a:t>
+              <a:t>15/3/23</a:t>
             </a:fld>
             <a:endParaRPr lang="zh-CN" altLang="en-US" dirty="0">
               <a:ea typeface="微软雅黑" pitchFamily="34" charset="-122"/>
@@ -476,7 +480,7 @@
             <a:fld id="{DF9E65B2-A0B4-4242-9432-201E84F17494}" type="datetime1">
               <a:rPr lang="en-US" smtClean="0"/>
               <a:pPr/>
-              <a:t>15/3/18</a:t>
+              <a:t>15/3/23</a:t>
             </a:fld>
             <a:endParaRPr lang="en-US" dirty="0"/>
           </a:p>
@@ -1405,7 +1409,7 @@
             <a:fld id="{055FF6D4-D4D7-426A-98F7-170A3668379E}" type="datetime1">
               <a:rPr lang="en-US" smtClean="0"/>
               <a:pPr/>
-              <a:t>15/3/18</a:t>
+              <a:t>15/3/23</a:t>
             </a:fld>
             <a:endParaRPr lang="en-US" dirty="0"/>
           </a:p>
@@ -2032,7 +2036,7 @@
             <a:fld id="{74CBEAF9-9E58-4CC8-A6FF-6DD8A58DEEA4}" type="datetimeFigureOut">
               <a:rPr lang="en-US" smtClean="0"/>
               <a:pPr eaLnBrk="1" latinLnBrk="0" hangingPunct="1"/>
-              <a:t>15/3/18</a:t>
+              <a:t>15/3/23</a:t>
             </a:fld>
             <a:endParaRPr lang="en-US"/>
           </a:p>
@@ -2550,7 +2554,7 @@
             <a:fld id="{74CBEAF9-9E58-4CC8-A6FF-6DD8A58DEEA4}" type="datetimeFigureOut">
               <a:rPr lang="en-US" smtClean="0"/>
               <a:pPr algn="l" eaLnBrk="1" latinLnBrk="0" hangingPunct="1"/>
-              <a:t>15/3/18</a:t>
+              <a:t>15/3/23</a:t>
             </a:fld>
             <a:endParaRPr lang="en-US" dirty="0">
               <a:solidFill>
@@ -3085,7 +3089,7 @@
             <a:fld id="{74CBEAF9-9E58-4CC8-A6FF-6DD8A58DEEA4}" type="datetimeFigureOut">
               <a:rPr lang="en-US" smtClean="0"/>
               <a:pPr algn="l" eaLnBrk="1" latinLnBrk="0" hangingPunct="1"/>
-              <a:t>15/3/18</a:t>
+              <a:t>15/3/23</a:t>
             </a:fld>
             <a:endParaRPr lang="en-US" dirty="0">
               <a:solidFill>
@@ -3921,7 +3925,7 @@
             <a:fld id="{74CBEAF9-9E58-4CC8-A6FF-6DD8A58DEEA4}" type="datetimeFigureOut">
               <a:rPr lang="en-US" smtClean="0"/>
               <a:pPr eaLnBrk="1" latinLnBrk="0" hangingPunct="1"/>
-              <a:t>15/3/18</a:t>
+              <a:t>15/3/23</a:t>
             </a:fld>
             <a:endParaRPr lang="en-US"/>
           </a:p>
@@ -4503,7 +4507,7 @@
             <a:fld id="{42295D47-465E-4A05-802B-049480555B6D}" type="datetime1">
               <a:rPr lang="en-US" smtClean="0"/>
               <a:pPr/>
-              <a:t>15/3/18</a:t>
+              <a:t>15/3/23</a:t>
             </a:fld>
             <a:endParaRPr lang="en-US"/>
           </a:p>
@@ -5134,7 +5138,7 @@
             <a:fld id="{74CBEAF9-9E58-4CC8-A6FF-6DD8A58DEEA4}" type="datetimeFigureOut">
               <a:rPr lang="en-US" smtClean="0"/>
               <a:pPr algn="l" eaLnBrk="1" latinLnBrk="0" hangingPunct="1"/>
-              <a:t>15/3/18</a:t>
+              <a:t>15/3/23</a:t>
             </a:fld>
             <a:endParaRPr lang="en-US" dirty="0">
               <a:solidFill>
@@ -5916,7 +5920,7 @@
             <a:fld id="{74CBEAF9-9E58-4CC8-A6FF-6DD8A58DEEA4}" type="datetimeFigureOut">
               <a:rPr lang="en-US" smtClean="0"/>
               <a:pPr eaLnBrk="1" latinLnBrk="0" hangingPunct="1"/>
-              <a:t>15/3/18</a:t>
+              <a:t>15/3/23</a:t>
             </a:fld>
             <a:endParaRPr lang="en-US"/>
           </a:p>
@@ -6377,7 +6381,7 @@
             <a:fld id="{74CBEAF9-9E58-4CC8-A6FF-6DD8A58DEEA4}" type="datetimeFigureOut">
               <a:rPr lang="en-US" smtClean="0"/>
               <a:pPr eaLnBrk="1" latinLnBrk="0" hangingPunct="1"/>
-              <a:t>15/3/18</a:t>
+              <a:t>15/3/23</a:t>
             </a:fld>
             <a:endParaRPr lang="en-US"/>
           </a:p>
@@ -6806,7 +6810,7 @@
             <a:fld id="{74CBEAF9-9E58-4CC8-A6FF-6DD8A58DEEA4}" type="datetimeFigureOut">
               <a:rPr lang="en-US" smtClean="0"/>
               <a:pPr eaLnBrk="1" latinLnBrk="0" hangingPunct="1"/>
-              <a:t>15/3/18</a:t>
+              <a:t>15/3/23</a:t>
             </a:fld>
             <a:endParaRPr lang="en-US"/>
           </a:p>
@@ -7427,7 +7431,7 @@
             <a:fld id="{74CBEAF9-9E58-4CC8-A6FF-6DD8A58DEEA4}" type="datetimeFigureOut">
               <a:rPr lang="en-US" smtClean="0"/>
               <a:pPr eaLnBrk="1" latinLnBrk="0" hangingPunct="1"/>
-              <a:t>15/3/18</a:t>
+              <a:t>15/3/23</a:t>
             </a:fld>
             <a:endParaRPr lang="en-US"/>
           </a:p>
@@ -7692,7 +7696,7 @@
             <a:fld id="{74CBEAF9-9E58-4CC8-A6FF-6DD8A58DEEA4}" type="datetimeFigureOut">
               <a:rPr lang="en-US" smtClean="0"/>
               <a:pPr algn="l" eaLnBrk="1" latinLnBrk="0" hangingPunct="1"/>
-              <a:t>15/3/18</a:t>
+              <a:t>15/3/23</a:t>
             </a:fld>
             <a:endParaRPr lang="en-US" dirty="0">
               <a:solidFill>
@@ -8356,8 +8360,12 @@
               <a:t>-</a:t>
             </a:r>
             <a:r>
-              <a:rPr lang="zh-CN" altLang="en-US" b="0" dirty="0"/>
+              <a:rPr lang="zh-CN" altLang="en-US" b="0" dirty="0" smtClean="0"/>
               <a:t>继承</a:t>
+            </a:r>
+            <a:r>
+              <a:rPr lang="zh-CN" altLang="en-US" b="0" dirty="0" smtClean="0"/>
+              <a:t>、多态</a:t>
             </a:r>
             <a:endParaRPr kumimoji="1" lang="zh-CN" altLang="en-US" dirty="0"/>
           </a:p>
@@ -8440,7 +8448,6 @@
               <a:rPr kumimoji="1" lang="zh-CN" altLang="en-US" sz="3600" dirty="0"/>
               <a:t>类的继承与多态</a:t>
             </a:r>
-            <a:endParaRPr kumimoji="1" lang="zh-CN" altLang="en-US" sz="3600" dirty="0"/>
           </a:p>
         </p:txBody>
       </p:sp>
@@ -8448,6 +8455,616 @@
     <p:extLst>
       <p:ext uri="{BB962C8B-B14F-4D97-AF65-F5344CB8AC3E}">
         <p14:creationId xmlns:p14="http://schemas.microsoft.com/office/powerpoint/2010/main" val="2973930980"/>
+      </p:ext>
+    </p:extLst>
+  </p:cSld>
+  <p:clrMapOvr>
+    <a:masterClrMapping/>
+  </p:clrMapOvr>
+  <p:timing>
+    <p:tnLst>
+      <p:par>
+        <p:cTn xmlns:p14="http://schemas.microsoft.com/office/powerpoint/2010/main" id="1" dur="indefinite" restart="never" nodeType="tmRoot"/>
+      </p:par>
+    </p:tnLst>
+  </p:timing>
+</p:sld>
+</file>
+
+<file path=ppt/slides/slide2.xml><?xml version="1.0" encoding="utf-8"?>
+<p:sld xmlns:a="http://schemas.openxmlformats.org/drawingml/2006/main" xmlns:r="http://schemas.openxmlformats.org/officeDocument/2006/relationships" xmlns:p="http://schemas.openxmlformats.org/presentationml/2006/main">
+  <p:cSld>
+    <p:spTree>
+      <p:nvGrpSpPr>
+        <p:cNvPr id="1" name=""/>
+        <p:cNvGrpSpPr/>
+        <p:nvPr/>
+      </p:nvGrpSpPr>
+      <p:grpSpPr>
+        <a:xfrm>
+          <a:off x="0" y="0"/>
+          <a:ext cx="0" cy="0"/>
+          <a:chOff x="0" y="0"/>
+          <a:chExt cx="0" cy="0"/>
+        </a:xfrm>
+      </p:grpSpPr>
+      <p:sp>
+        <p:nvSpPr>
+          <p:cNvPr id="2" name="标题 1"/>
+          <p:cNvSpPr>
+            <a:spLocks noGrp="1"/>
+          </p:cNvSpPr>
+          <p:nvPr>
+            <p:ph type="title"/>
+          </p:nvPr>
+        </p:nvSpPr>
+        <p:spPr/>
+        <p:txBody>
+          <a:bodyPr/>
+          <a:lstStyle/>
+          <a:p>
+            <a:r>
+              <a:rPr lang="zh-CN" altLang="en-US" b="0" dirty="0" smtClean="0"/>
+              <a:t>继承</a:t>
+            </a:r>
+            <a:endParaRPr kumimoji="1" lang="zh-CN" altLang="en-US" dirty="0"/>
+          </a:p>
+        </p:txBody>
+      </p:sp>
+      <p:sp>
+        <p:nvSpPr>
+          <p:cNvPr id="3" name="幻灯片编号占位符 2"/>
+          <p:cNvSpPr>
+            <a:spLocks noGrp="1"/>
+          </p:cNvSpPr>
+          <p:nvPr>
+            <p:ph type="sldNum" sz="quarter" idx="4"/>
+          </p:nvPr>
+        </p:nvSpPr>
+        <p:spPr/>
+        <p:txBody>
+          <a:bodyPr/>
+          <a:lstStyle/>
+          <a:p>
+            <a:fld id="{BF10DB53-D7D3-4DB6-A29F-40217B92EC88}" type="slidenum">
+              <a:rPr lang="en-US" smtClean="0"/>
+              <a:pPr/>
+              <a:t>1</a:t>
+            </a:fld>
+            <a:endParaRPr lang="en-US" dirty="0"/>
+          </a:p>
+        </p:txBody>
+      </p:sp>
+      <p:sp>
+        <p:nvSpPr>
+          <p:cNvPr id="5" name="文本框 4"/>
+          <p:cNvSpPr txBox="1"/>
+          <p:nvPr/>
+        </p:nvSpPr>
+        <p:spPr>
+          <a:xfrm>
+            <a:off x="251520" y="1340768"/>
+            <a:ext cx="8352928" cy="5262980"/>
+          </a:xfrm>
+          <a:prstGeom prst="rect">
+            <a:avLst/>
+          </a:prstGeom>
+          <a:noFill/>
+        </p:spPr>
+        <p:txBody>
+          <a:bodyPr wrap="square" rtlCol="0">
+            <a:spAutoFit/>
+          </a:bodyPr>
+          <a:lstStyle/>
+          <a:p>
+            <a:pPr marL="285750" lvl="0" indent="-285750">
+              <a:buFont typeface="Wingdings" charset="2"/>
+              <a:buChar char="Ø"/>
+            </a:pPr>
+            <a:r>
+              <a:rPr lang="zh-CN" altLang="zh-CN" sz="1600" b="1" dirty="0"/>
+              <a:t>继承的专业术语</a:t>
+            </a:r>
+          </a:p>
+          <a:p>
+            <a:pPr marL="285750" indent="-285750">
+              <a:buFont typeface="Wingdings" charset="2"/>
+              <a:buChar char="l"/>
+            </a:pPr>
+            <a:r>
+              <a:rPr lang="zh-CN" altLang="zh-CN" sz="1600" dirty="0"/>
+              <a:t>父类</a:t>
+            </a:r>
+            <a:r>
+              <a:rPr lang="en-US" altLang="zh-CN" sz="1600" dirty="0"/>
+              <a:t>\</a:t>
+            </a:r>
+            <a:r>
+              <a:rPr lang="zh-CN" altLang="zh-CN" sz="1600" dirty="0"/>
+              <a:t>超类</a:t>
+            </a:r>
+            <a:r>
+              <a:rPr lang="en-US" altLang="zh-CN" sz="1600" dirty="0"/>
+              <a:t>  superclass</a:t>
+            </a:r>
+            <a:endParaRPr lang="zh-CN" altLang="zh-CN" sz="1600" dirty="0"/>
+          </a:p>
+          <a:p>
+            <a:pPr marL="285750" indent="-285750">
+              <a:buFont typeface="Wingdings" charset="2"/>
+              <a:buChar char="l"/>
+            </a:pPr>
+            <a:r>
+              <a:rPr lang="zh-CN" altLang="zh-CN" sz="1600" dirty="0"/>
+              <a:t>子类</a:t>
+            </a:r>
+            <a:r>
+              <a:rPr lang="en-US" altLang="zh-CN" sz="1600" dirty="0"/>
+              <a:t>  subclass\subclasses</a:t>
+            </a:r>
+            <a:endParaRPr lang="zh-CN" altLang="zh-CN" sz="1600" dirty="0"/>
+          </a:p>
+          <a:p>
+            <a:pPr lvl="1"/>
+            <a:r>
+              <a:rPr lang="en-US" altLang="zh-CN" sz="1600" dirty="0"/>
+              <a:t> </a:t>
+            </a:r>
+            <a:endParaRPr lang="zh-CN" altLang="zh-CN" sz="1600" dirty="0"/>
+          </a:p>
+          <a:p>
+            <a:pPr marL="285750" lvl="0" indent="-285750">
+              <a:buFont typeface="Wingdings" charset="2"/>
+              <a:buChar char="Ø"/>
+            </a:pPr>
+            <a:r>
+              <a:rPr lang="zh-CN" altLang="zh-CN" sz="1600" b="1" dirty="0"/>
+              <a:t>继承的细节</a:t>
+            </a:r>
+          </a:p>
+          <a:p>
+            <a:pPr marL="285750" lvl="0" indent="-285750">
+              <a:buFont typeface="Wingdings" charset="2"/>
+              <a:buChar char="l"/>
+            </a:pPr>
+            <a:r>
+              <a:rPr lang="zh-CN" altLang="zh-CN" sz="1600" dirty="0"/>
+              <a:t>单继承</a:t>
+            </a:r>
+          </a:p>
+          <a:p>
+            <a:pPr marL="285750" lvl="0" indent="-285750">
+              <a:buFont typeface="Wingdings" charset="2"/>
+              <a:buChar char="l"/>
+            </a:pPr>
+            <a:r>
+              <a:rPr lang="zh-CN" altLang="zh-CN" sz="1600" dirty="0"/>
+              <a:t>子类和父类不能有相同的成员变量</a:t>
+            </a:r>
+          </a:p>
+          <a:p>
+            <a:pPr marL="285750" lvl="0" indent="-285750">
+              <a:buFont typeface="Wingdings" charset="2"/>
+              <a:buChar char="l"/>
+            </a:pPr>
+            <a:r>
+              <a:rPr lang="zh-CN" altLang="zh-CN" sz="1600" dirty="0"/>
+              <a:t>方法的重写</a:t>
+            </a:r>
+          </a:p>
+          <a:p>
+            <a:r>
+              <a:rPr lang="en-US" altLang="zh-CN" sz="1600" dirty="0"/>
+              <a:t> </a:t>
+            </a:r>
+            <a:endParaRPr lang="zh-CN" altLang="zh-CN" sz="1600" dirty="0"/>
+          </a:p>
+          <a:p>
+            <a:pPr marL="285750" lvl="0" indent="-285750">
+              <a:buFont typeface="Wingdings" charset="2"/>
+              <a:buChar char="Ø"/>
+            </a:pPr>
+            <a:r>
+              <a:rPr lang="en-US" altLang="zh-CN" sz="1600" b="1" dirty="0"/>
+              <a:t>super</a:t>
+            </a:r>
+            <a:r>
+              <a:rPr lang="zh-CN" altLang="zh-CN" sz="1600" b="1" dirty="0"/>
+              <a:t>关键字</a:t>
+            </a:r>
+          </a:p>
+          <a:p>
+            <a:pPr marL="285750" lvl="0" indent="-285750">
+              <a:buFont typeface="Wingdings" charset="2"/>
+              <a:buChar char="l"/>
+            </a:pPr>
+            <a:r>
+              <a:rPr lang="zh-CN" altLang="zh-CN" sz="1600" dirty="0"/>
+              <a:t>分别调用父类的对象方法和类方法</a:t>
+            </a:r>
+          </a:p>
+          <a:p>
+            <a:r>
+              <a:rPr lang="en-US" altLang="zh-CN" sz="1600" dirty="0"/>
+              <a:t> </a:t>
+            </a:r>
+            <a:endParaRPr lang="zh-CN" altLang="zh-CN" sz="1600" dirty="0"/>
+          </a:p>
+          <a:p>
+            <a:pPr marL="285750" lvl="0" indent="-285750">
+              <a:buFont typeface="Wingdings" charset="2"/>
+              <a:buChar char="Ø"/>
+            </a:pPr>
+            <a:r>
+              <a:rPr lang="zh-CN" altLang="zh-CN" sz="1600" b="1" dirty="0"/>
+              <a:t>继承的好处</a:t>
+            </a:r>
+          </a:p>
+          <a:p>
+            <a:pPr marL="285750" lvl="0" indent="-285750">
+              <a:buFont typeface="Wingdings" charset="2"/>
+              <a:buChar char="l"/>
+            </a:pPr>
+            <a:r>
+              <a:rPr lang="zh-CN" altLang="zh-CN" sz="1600" dirty="0"/>
+              <a:t>不改变原来模型的基础上，拓充方法</a:t>
+            </a:r>
+          </a:p>
+          <a:p>
+            <a:pPr marL="285750" lvl="0" indent="-285750">
+              <a:buFont typeface="Wingdings" charset="2"/>
+              <a:buChar char="l"/>
+            </a:pPr>
+            <a:r>
+              <a:rPr lang="zh-CN" altLang="zh-CN" sz="1600" dirty="0"/>
+              <a:t>建立了类与类之间的联系</a:t>
+            </a:r>
+          </a:p>
+          <a:p>
+            <a:pPr marL="285750" lvl="0" indent="-285750">
+              <a:buFont typeface="Wingdings" charset="2"/>
+              <a:buChar char="l"/>
+            </a:pPr>
+            <a:r>
+              <a:rPr lang="zh-CN" altLang="zh-CN" sz="1600" dirty="0"/>
+              <a:t>抽取了公共代码</a:t>
+            </a:r>
+          </a:p>
+          <a:p>
+            <a:pPr marL="285750" lvl="0" indent="-285750">
+              <a:buFont typeface="Wingdings" charset="2"/>
+              <a:buChar char="l"/>
+            </a:pPr>
+            <a:r>
+              <a:rPr lang="zh-CN" altLang="zh-CN" sz="1600" dirty="0"/>
+              <a:t>坏处：耦合性强</a:t>
+            </a:r>
+          </a:p>
+          <a:p>
+            <a:r>
+              <a:rPr lang="en-US" altLang="zh-CN" sz="1600" dirty="0"/>
+              <a:t> </a:t>
+            </a:r>
+            <a:endParaRPr lang="zh-CN" altLang="zh-CN" sz="1600" dirty="0"/>
+          </a:p>
+          <a:p>
+            <a:pPr marL="285750" lvl="0" indent="-285750">
+              <a:buFont typeface="Wingdings" charset="2"/>
+              <a:buChar char="Ø"/>
+            </a:pPr>
+            <a:r>
+              <a:rPr lang="zh-CN" altLang="zh-CN" sz="1600" b="1" dirty="0"/>
+              <a:t>继承的使用场合</a:t>
+            </a:r>
+          </a:p>
+          <a:p>
+            <a:pPr marL="285750" lvl="0" indent="-285750">
+              <a:buFont typeface="Wingdings" charset="2"/>
+              <a:buChar char="l"/>
+            </a:pPr>
+            <a:r>
+              <a:rPr lang="zh-CN" altLang="zh-CN" sz="1600" dirty="0"/>
+              <a:t>它的所有属性都是你想要的，一般就继承</a:t>
+            </a:r>
+          </a:p>
+          <a:p>
+            <a:pPr marL="285750" lvl="0" indent="-285750">
+              <a:buFont typeface="Wingdings" charset="2"/>
+              <a:buChar char="l"/>
+            </a:pPr>
+            <a:r>
+              <a:rPr lang="zh-CN" altLang="zh-CN" sz="1600" dirty="0"/>
+              <a:t>它的部分属性是你想要的，可以抽取出另一个父类</a:t>
+            </a:r>
+          </a:p>
+        </p:txBody>
+      </p:sp>
+    </p:spTree>
+    <p:extLst>
+      <p:ext uri="{BB962C8B-B14F-4D97-AF65-F5344CB8AC3E}">
+        <p14:creationId xmlns:p14="http://schemas.microsoft.com/office/powerpoint/2010/main" val="3732614065"/>
+      </p:ext>
+    </p:extLst>
+  </p:cSld>
+  <p:clrMapOvr>
+    <a:masterClrMapping/>
+  </p:clrMapOvr>
+  <p:timing>
+    <p:tnLst>
+      <p:par>
+        <p:cTn xmlns:p14="http://schemas.microsoft.com/office/powerpoint/2010/main" id="1" dur="indefinite" restart="never" nodeType="tmRoot"/>
+      </p:par>
+    </p:tnLst>
+  </p:timing>
+</p:sld>
+</file>
+
+<file path=ppt/slides/slide3.xml><?xml version="1.0" encoding="utf-8"?>
+<p:sld xmlns:a="http://schemas.openxmlformats.org/drawingml/2006/main" xmlns:r="http://schemas.openxmlformats.org/officeDocument/2006/relationships" xmlns:p="http://schemas.openxmlformats.org/presentationml/2006/main">
+  <p:cSld>
+    <p:spTree>
+      <p:nvGrpSpPr>
+        <p:cNvPr id="1" name=""/>
+        <p:cNvGrpSpPr/>
+        <p:nvPr/>
+      </p:nvGrpSpPr>
+      <p:grpSpPr>
+        <a:xfrm>
+          <a:off x="0" y="0"/>
+          <a:ext cx="0" cy="0"/>
+          <a:chOff x="0" y="0"/>
+          <a:chExt cx="0" cy="0"/>
+        </a:xfrm>
+      </p:grpSpPr>
+      <p:sp>
+        <p:nvSpPr>
+          <p:cNvPr id="2" name="标题 1"/>
+          <p:cNvSpPr>
+            <a:spLocks noGrp="1"/>
+          </p:cNvSpPr>
+          <p:nvPr>
+            <p:ph type="title"/>
+          </p:nvPr>
+        </p:nvSpPr>
+        <p:spPr/>
+        <p:txBody>
+          <a:bodyPr>
+            <a:normAutofit/>
+          </a:bodyPr>
+          <a:lstStyle/>
+          <a:p>
+            <a:r>
+              <a:rPr kumimoji="1" lang="zh-CN" altLang="en-US" dirty="0" smtClean="0"/>
+              <a:t>多态</a:t>
+            </a:r>
+            <a:endParaRPr kumimoji="1" lang="zh-CN" altLang="en-US" dirty="0"/>
+          </a:p>
+        </p:txBody>
+      </p:sp>
+      <p:sp>
+        <p:nvSpPr>
+          <p:cNvPr id="3" name="幻灯片编号占位符 2"/>
+          <p:cNvSpPr>
+            <a:spLocks noGrp="1"/>
+          </p:cNvSpPr>
+          <p:nvPr>
+            <p:ph type="sldNum" sz="quarter" idx="4"/>
+          </p:nvPr>
+        </p:nvSpPr>
+        <p:spPr/>
+        <p:txBody>
+          <a:bodyPr/>
+          <a:lstStyle/>
+          <a:p>
+            <a:fld id="{BF10DB53-D7D3-4DB6-A29F-40217B92EC88}" type="slidenum">
+              <a:rPr lang="en-US" smtClean="0"/>
+              <a:pPr/>
+              <a:t>2</a:t>
+            </a:fld>
+            <a:endParaRPr lang="en-US" dirty="0"/>
+          </a:p>
+        </p:txBody>
+      </p:sp>
+      <p:sp>
+        <p:nvSpPr>
+          <p:cNvPr id="5" name="文本框 4"/>
+          <p:cNvSpPr txBox="1"/>
+          <p:nvPr/>
+        </p:nvSpPr>
+        <p:spPr>
+          <a:xfrm>
+            <a:off x="251520" y="1412776"/>
+            <a:ext cx="8352928" cy="5355313"/>
+          </a:xfrm>
+          <a:prstGeom prst="rect">
+            <a:avLst/>
+          </a:prstGeom>
+          <a:noFill/>
+        </p:spPr>
+        <p:txBody>
+          <a:bodyPr wrap="square" rtlCol="0">
+            <a:spAutoFit/>
+          </a:bodyPr>
+          <a:lstStyle/>
+          <a:p>
+            <a:pPr marL="285750" lvl="0" indent="-285750">
+              <a:buFont typeface="Wingdings" charset="2"/>
+              <a:buChar char="Ø"/>
+            </a:pPr>
+            <a:r>
+              <a:rPr lang="zh-CN" altLang="zh-CN" b="1" dirty="0"/>
+              <a:t>多态的基本概念</a:t>
+            </a:r>
+          </a:p>
+          <a:p>
+            <a:pPr marL="285750" lvl="0" indent="-285750">
+              <a:buFont typeface="Wingdings" charset="2"/>
+              <a:buChar char="l"/>
+            </a:pPr>
+            <a:r>
+              <a:rPr lang="zh-CN" altLang="zh-CN" dirty="0"/>
+              <a:t>某一类事物的多种形态</a:t>
+            </a:r>
+          </a:p>
+          <a:p>
+            <a:pPr marL="285750" lvl="0" indent="-285750">
+              <a:buFont typeface="Wingdings" charset="2"/>
+              <a:buChar char="l"/>
+            </a:pPr>
+            <a:r>
+              <a:rPr lang="en-US" altLang="zh-CN" dirty="0"/>
+              <a:t>OC</a:t>
+            </a:r>
+            <a:r>
+              <a:rPr lang="zh-CN" altLang="zh-CN" dirty="0"/>
+              <a:t>对象具有多态性</a:t>
+            </a:r>
+          </a:p>
+          <a:p>
+            <a:r>
+              <a:rPr lang="en-US" altLang="zh-CN" dirty="0"/>
+              <a:t> </a:t>
+            </a:r>
+            <a:endParaRPr lang="zh-CN" altLang="zh-CN" dirty="0"/>
+          </a:p>
+          <a:p>
+            <a:pPr marL="285750" lvl="0" indent="-285750">
+              <a:buFont typeface="Wingdings" charset="2"/>
+              <a:buChar char="Ø"/>
+            </a:pPr>
+            <a:r>
+              <a:rPr lang="zh-CN" altLang="zh-CN" b="1" dirty="0"/>
+              <a:t>多态的体现</a:t>
+            </a:r>
+          </a:p>
+          <a:p>
+            <a:r>
+              <a:rPr lang="en-US" altLang="zh-CN" dirty="0"/>
+              <a:t>Person *p = [Student new];</a:t>
+            </a:r>
+            <a:endParaRPr lang="zh-CN" altLang="zh-CN" dirty="0"/>
+          </a:p>
+          <a:p>
+            <a:r>
+              <a:rPr lang="en-US" altLang="zh-CN" dirty="0"/>
+              <a:t>p-&gt;age = 100;</a:t>
+            </a:r>
+            <a:endParaRPr lang="zh-CN" altLang="zh-CN" dirty="0"/>
+          </a:p>
+          <a:p>
+            <a:r>
+              <a:rPr lang="en-US" altLang="zh-CN" dirty="0"/>
+              <a:t>[p walk];</a:t>
+            </a:r>
+            <a:endParaRPr lang="zh-CN" altLang="zh-CN" dirty="0"/>
+          </a:p>
+          <a:p>
+            <a:pPr marL="285750" lvl="0" indent="-285750">
+              <a:buFont typeface="Wingdings" charset="2"/>
+              <a:buChar char="l"/>
+            </a:pPr>
+            <a:r>
+              <a:rPr lang="zh-CN" altLang="zh-CN" dirty="0"/>
+              <a:t>子类对象赋值给父类指针</a:t>
+            </a:r>
+          </a:p>
+          <a:p>
+            <a:pPr marL="285750" lvl="0" indent="-285750">
+              <a:buFont typeface="Wingdings" charset="2"/>
+              <a:buChar char="l"/>
+            </a:pPr>
+            <a:r>
+              <a:rPr lang="zh-CN" altLang="zh-CN" dirty="0"/>
+              <a:t>父类指针访问对应的属性和方法</a:t>
+            </a:r>
+          </a:p>
+          <a:p>
+            <a:r>
+              <a:rPr lang="en-US" altLang="zh-CN" dirty="0"/>
+              <a:t> </a:t>
+            </a:r>
+            <a:endParaRPr lang="zh-CN" altLang="zh-CN" dirty="0"/>
+          </a:p>
+          <a:p>
+            <a:pPr marL="285750" lvl="0" indent="-285750">
+              <a:buFont typeface="Wingdings" charset="2"/>
+              <a:buChar char="Ø"/>
+            </a:pPr>
+            <a:r>
+              <a:rPr lang="zh-CN" altLang="zh-CN" b="1" dirty="0"/>
+              <a:t>多态的好处</a:t>
+            </a:r>
+          </a:p>
+          <a:p>
+            <a:pPr marL="285750" lvl="0" indent="-285750">
+              <a:buFont typeface="Wingdings" charset="2"/>
+              <a:buChar char="l"/>
+            </a:pPr>
+            <a:r>
+              <a:rPr lang="zh-CN" altLang="zh-CN" dirty="0"/>
+              <a:t>用父类接收参数，节省代码</a:t>
+            </a:r>
+          </a:p>
+          <a:p>
+            <a:r>
+              <a:rPr lang="en-US" altLang="zh-CN" dirty="0"/>
+              <a:t> </a:t>
+            </a:r>
+            <a:endParaRPr lang="zh-CN" altLang="zh-CN" dirty="0"/>
+          </a:p>
+          <a:p>
+            <a:pPr marL="285750" lvl="0" indent="-285750">
+              <a:buFont typeface="Wingdings" charset="2"/>
+              <a:buChar char="Ø"/>
+            </a:pPr>
+            <a:r>
+              <a:rPr lang="zh-CN" altLang="zh-CN" b="1" dirty="0"/>
+              <a:t>多态的局限性</a:t>
+            </a:r>
+          </a:p>
+          <a:p>
+            <a:pPr marL="285750" lvl="0" indent="-285750">
+              <a:buFont typeface="Wingdings" charset="2"/>
+              <a:buChar char="l"/>
+            </a:pPr>
+            <a:r>
+              <a:rPr lang="zh-CN" altLang="zh-CN" dirty="0"/>
+              <a:t>不能访问子类的属性（可以考虑强制转换）</a:t>
+            </a:r>
+          </a:p>
+          <a:p>
+            <a:r>
+              <a:rPr lang="en-US" altLang="zh-CN" dirty="0"/>
+              <a:t> </a:t>
+            </a:r>
+            <a:endParaRPr lang="zh-CN" altLang="zh-CN" dirty="0"/>
+          </a:p>
+          <a:p>
+            <a:pPr marL="285750" lvl="0" indent="-285750">
+              <a:buFont typeface="Wingdings" charset="2"/>
+              <a:buChar char="Ø"/>
+            </a:pPr>
+            <a:r>
+              <a:rPr lang="zh-CN" altLang="zh-CN" b="1" dirty="0"/>
+              <a:t>多态的细节</a:t>
+            </a:r>
+          </a:p>
+          <a:p>
+            <a:pPr marL="285750" lvl="0" indent="-285750">
+              <a:buFont typeface="Wingdings" charset="2"/>
+              <a:buChar char="l"/>
+            </a:pPr>
+            <a:r>
+              <a:rPr lang="zh-CN" altLang="zh-CN" dirty="0"/>
+              <a:t>动态绑定：在运行时根据对象的类型确定动态调用的方法</a:t>
+            </a:r>
+          </a:p>
+        </p:txBody>
+      </p:sp>
+    </p:spTree>
+    <p:extLst>
+      <p:ext uri="{BB962C8B-B14F-4D97-AF65-F5344CB8AC3E}">
+        <p14:creationId xmlns:p14="http://schemas.microsoft.com/office/powerpoint/2010/main" val="3732614065"/>
       </p:ext>
     </p:extLst>
   </p:cSld>
